--- a/assembly/debugassembly/程序框架.pptx
+++ b/assembly/debugassembly/程序框架.pptx
@@ -7,6 +7,9 @@
   <p:sldIdLst>
     <p:sldId id="256" r:id="rId2"/>
     <p:sldId id="257" r:id="rId3"/>
+    <p:sldId id="260" r:id="rId4"/>
+    <p:sldId id="259" r:id="rId5"/>
+    <p:sldId id="261" r:id="rId6"/>
   </p:sldIdLst>
   <p:sldSz cx="9144000" cy="6858000" type="screen4x3"/>
   <p:notesSz cx="6858000" cy="9144000"/>
@@ -3070,7 +3073,7 @@
         </p:nvGraphicFramePr>
         <p:xfrm>
           <a:off x="1071538" y="1214422"/>
-          <a:ext cx="6619899" cy="2595880"/>
+          <a:ext cx="7429553" cy="3139440"/>
         </p:xfrm>
         <a:graphic>
           <a:graphicData uri="http://schemas.openxmlformats.org/drawingml/2006/table">
@@ -3079,9 +3082,9 @@
                 <a:tableStyleId>{5C22544A-7EE6-4342-B048-85BDC9FD1C3A}</a:tableStyleId>
               </a:tblPr>
               <a:tblGrid>
-                <a:gridCol w="2714642"/>
-                <a:gridCol w="1698624"/>
-                <a:gridCol w="2206633"/>
+                <a:gridCol w="2643206"/>
+                <a:gridCol w="1714512"/>
+                <a:gridCol w="3071835"/>
               </a:tblGrid>
               <a:tr h="370840">
                 <a:tc>
@@ -3200,7 +3203,49 @@
                     <a:bodyPr/>
                     <a:lstStyle/>
                     <a:p>
-                      <a:endParaRPr lang="zh-CN" altLang="en-US"/>
+                      <a:r>
+                        <a:rPr lang="en-US" altLang="zh-CN" dirty="0" err="1" smtClean="0"/>
+                        <a:t>Sys_assembly</a:t>
+                      </a:r>
+                      <a:r>
+                        <a:rPr lang="en-US" altLang="zh-CN" dirty="0" smtClean="0"/>
+                        <a:t>/</a:t>
+                      </a:r>
+                      <a:r>
+                        <a:rPr lang="en-US" altLang="zh-CN" dirty="0" err="1" smtClean="0"/>
+                        <a:t>AssmGeom</a:t>
+                      </a:r>
+                      <a:endParaRPr lang="en-US" altLang="zh-CN" dirty="0"/>
+                    </a:p>
+                    <a:p>
+                      <a:r>
+                        <a:rPr lang="en-US" altLang="zh-CN" dirty="0" err="1" smtClean="0"/>
+                        <a:t>Assmmesh</a:t>
+                      </a:r>
+                      <a:r>
+                        <a:rPr lang="en-US" altLang="zh-CN" dirty="0" smtClean="0"/>
+                        <a:t>/</a:t>
+                      </a:r>
+                      <a:r>
+                        <a:rPr lang="en-US" altLang="zh-CN" dirty="0" err="1" smtClean="0"/>
+                        <a:t>Assmboundary</a:t>
+                      </a:r>
+                      <a:endParaRPr lang="en-US" altLang="zh-CN" dirty="0" smtClean="0"/>
+                    </a:p>
+                    <a:p>
+                      <a:r>
+                        <a:rPr lang="en-US" altLang="zh-CN" dirty="0" err="1" smtClean="0"/>
+                        <a:t>AssmMaterial</a:t>
+                      </a:r>
+                      <a:r>
+                        <a:rPr lang="en-US" altLang="zh-CN" dirty="0" smtClean="0"/>
+                        <a:t>/</a:t>
+                      </a:r>
+                      <a:r>
+                        <a:rPr lang="en-US" altLang="zh-CN" dirty="0" err="1" smtClean="0"/>
+                        <a:t>AssmThermal</a:t>
+                      </a:r>
+                      <a:endParaRPr lang="en-US" altLang="zh-CN" dirty="0" smtClean="0"/>
                     </a:p>
                   </a:txBody>
                   <a:tcPr/>
@@ -3257,7 +3302,11 @@
                     <a:bodyPr/>
                     <a:lstStyle/>
                     <a:p>
-                      <a:endParaRPr lang="zh-CN" altLang="en-US"/>
+                      <a:r>
+                        <a:rPr lang="en-US" altLang="zh-CN" dirty="0" err="1" smtClean="0"/>
+                        <a:t>Sys_re_input</a:t>
+                      </a:r>
+                      <a:endParaRPr lang="zh-CN" altLang="en-US" dirty="0"/>
                     </a:p>
                   </a:txBody>
                   <a:tcPr/>
@@ -3297,7 +3346,7 @@
                     <a:bodyPr/>
                     <a:lstStyle/>
                     <a:p>
-                      <a:endParaRPr lang="zh-CN" altLang="en-US"/>
+                      <a:endParaRPr lang="zh-CN" altLang="en-US" dirty="0"/>
                     </a:p>
                   </a:txBody>
                   <a:tcPr/>
@@ -3354,7 +3403,7 @@
                     <a:bodyPr/>
                     <a:lstStyle/>
                     <a:p>
-                      <a:endParaRPr lang="zh-CN" altLang="en-US"/>
+                      <a:endParaRPr lang="zh-CN" altLang="en-US" dirty="0"/>
                     </a:p>
                   </a:txBody>
                   <a:tcPr/>
@@ -3404,6 +3453,36 @@
           </a:graphicData>
         </a:graphic>
       </p:graphicFrame>
+      <p:sp>
+        <p:nvSpPr>
+          <p:cNvPr id="3" name="TextBox 2"/>
+          <p:cNvSpPr txBox="1"/>
+          <p:nvPr/>
+        </p:nvSpPr>
+        <p:spPr>
+          <a:xfrm>
+            <a:off x="1071538" y="4572008"/>
+            <a:ext cx="3286148" cy="369332"/>
+          </a:xfrm>
+          <a:prstGeom prst="rect">
+            <a:avLst/>
+          </a:prstGeom>
+          <a:noFill/>
+        </p:spPr>
+        <p:txBody>
+          <a:bodyPr wrap="square" rtlCol="0">
+            <a:spAutoFit/>
+          </a:bodyPr>
+          <a:lstStyle/>
+          <a:p>
+            <a:r>
+              <a:rPr lang="zh-CN" altLang="en-US" dirty="0" smtClean="0"/>
+              <a:t>调试除了计算以外的模块</a:t>
+            </a:r>
+            <a:endParaRPr lang="zh-CN" altLang="en-US" dirty="0"/>
+          </a:p>
+        </p:txBody>
+      </p:sp>
     </p:spTree>
   </p:cSld>
   <p:clrMapOvr>
@@ -4157,6 +4236,1000 @@
                       <a:r>
                         <a:rPr lang="zh-CN" altLang="en-US" smtClean="0"/>
                         <a:t>瞬态计算</a:t>
+                      </a:r>
+                      <a:endParaRPr lang="zh-CN" altLang="en-US" dirty="0"/>
+                    </a:p>
+                  </a:txBody>
+                  <a:tcPr/>
+                </a:tc>
+                <a:tc>
+                  <a:txBody>
+                    <a:bodyPr/>
+                    <a:lstStyle/>
+                    <a:p>
+                      <a:endParaRPr lang="zh-CN" altLang="en-US" dirty="0"/>
+                    </a:p>
+                  </a:txBody>
+                  <a:tcPr/>
+                </a:tc>
+              </a:tr>
+            </a:tbl>
+          </a:graphicData>
+        </a:graphic>
+      </p:graphicFrame>
+    </p:spTree>
+  </p:cSld>
+  <p:clrMapOvr>
+    <a:masterClrMapping/>
+  </p:clrMapOvr>
+</p:sld>
+</file>
+
+<file path=ppt/slides/slide3.xml><?xml version="1.0" encoding="utf-8"?>
+<p:sld xmlns:a="http://schemas.openxmlformats.org/drawingml/2006/main" xmlns:r="http://schemas.openxmlformats.org/officeDocument/2006/relationships" xmlns:p="http://schemas.openxmlformats.org/presentationml/2006/main">
+  <p:cSld>
+    <p:spTree>
+      <p:nvGrpSpPr>
+        <p:cNvPr id="1" name=""/>
+        <p:cNvGrpSpPr/>
+        <p:nvPr/>
+      </p:nvGrpSpPr>
+      <p:grpSpPr>
+        <a:xfrm>
+          <a:off x="0" y="0"/>
+          <a:ext cx="0" cy="0"/>
+          <a:chOff x="0" y="0"/>
+          <a:chExt cx="0" cy="0"/>
+        </a:xfrm>
+      </p:grpSpPr>
+      <p:sp>
+        <p:nvSpPr>
+          <p:cNvPr id="2" name="标题 1"/>
+          <p:cNvSpPr>
+            <a:spLocks noGrp="1"/>
+          </p:cNvSpPr>
+          <p:nvPr>
+            <p:ph type="title"/>
+          </p:nvPr>
+        </p:nvSpPr>
+        <p:spPr/>
+        <p:txBody>
+          <a:bodyPr/>
+          <a:lstStyle/>
+          <a:p>
+            <a:endParaRPr lang="zh-CN" altLang="en-US"/>
+          </a:p>
+        </p:txBody>
+      </p:sp>
+      <p:graphicFrame>
+        <p:nvGraphicFramePr>
+          <p:cNvPr id="4" name="表格 3"/>
+          <p:cNvGraphicFramePr>
+            <a:graphicFrameLocks noGrp="1"/>
+          </p:cNvGraphicFramePr>
+          <p:nvPr/>
+        </p:nvGraphicFramePr>
+        <p:xfrm>
+          <a:off x="1000100" y="2000240"/>
+          <a:ext cx="6096000" cy="2595880"/>
+        </p:xfrm>
+        <a:graphic>
+          <a:graphicData uri="http://schemas.openxmlformats.org/drawingml/2006/table">
+            <a:tbl>
+              <a:tblPr firstRow="1" bandRow="1">
+                <a:tableStyleId>{5C22544A-7EE6-4342-B048-85BDC9FD1C3A}</a:tableStyleId>
+              </a:tblPr>
+              <a:tblGrid>
+                <a:gridCol w="3048000"/>
+                <a:gridCol w="3048000"/>
+              </a:tblGrid>
+              <a:tr h="370840">
+                <a:tc gridSpan="2">
+                  <a:txBody>
+                    <a:bodyPr/>
+                    <a:lstStyle/>
+                    <a:p>
+                      <a:pPr algn="ctr"/>
+                      <a:r>
+                        <a:rPr lang="en-US" altLang="zh-CN" dirty="0" err="1" smtClean="0"/>
+                        <a:t>AssmGeom</a:t>
+                      </a:r>
+                      <a:endParaRPr lang="zh-CN" altLang="en-US" dirty="0"/>
+                    </a:p>
+                  </a:txBody>
+                  <a:tcPr/>
+                </a:tc>
+                <a:tc hMerge="1">
+                  <a:txBody>
+                    <a:bodyPr/>
+                    <a:lstStyle/>
+                    <a:p>
+                      <a:endParaRPr lang="zh-CN" altLang="en-US" dirty="0"/>
+                    </a:p>
+                  </a:txBody>
+                  <a:tcPr/>
+                </a:tc>
+              </a:tr>
+              <a:tr h="370840">
+                <a:tc>
+                  <a:txBody>
+                    <a:bodyPr/>
+                    <a:lstStyle/>
+                    <a:p>
+                      <a:r>
+                        <a:rPr lang="en-US" altLang="zh-CN" dirty="0" err="1" smtClean="0"/>
+                        <a:t>rFuel</a:t>
+                      </a:r>
+                      <a:endParaRPr lang="zh-CN" altLang="en-US" dirty="0"/>
+                    </a:p>
+                  </a:txBody>
+                  <a:tcPr/>
+                </a:tc>
+                <a:tc>
+                  <a:txBody>
+                    <a:bodyPr/>
+                    <a:lstStyle/>
+                    <a:p>
+                      <a:endParaRPr lang="zh-CN" altLang="en-US" dirty="0"/>
+                    </a:p>
+                  </a:txBody>
+                  <a:tcPr/>
+                </a:tc>
+              </a:tr>
+              <a:tr h="370840">
+                <a:tc>
+                  <a:txBody>
+                    <a:bodyPr/>
+                    <a:lstStyle/>
+                    <a:p>
+                      <a:r>
+                        <a:rPr lang="en-US" altLang="zh-CN" dirty="0" err="1" smtClean="0"/>
+                        <a:t>GasGap</a:t>
+                      </a:r>
+                      <a:endParaRPr lang="zh-CN" altLang="en-US" dirty="0"/>
+                    </a:p>
+                  </a:txBody>
+                  <a:tcPr/>
+                </a:tc>
+                <a:tc>
+                  <a:txBody>
+                    <a:bodyPr/>
+                    <a:lstStyle/>
+                    <a:p>
+                      <a:endParaRPr lang="zh-CN" altLang="en-US"/>
+                    </a:p>
+                  </a:txBody>
+                  <a:tcPr/>
+                </a:tc>
+              </a:tr>
+              <a:tr h="370840">
+                <a:tc>
+                  <a:txBody>
+                    <a:bodyPr/>
+                    <a:lstStyle/>
+                    <a:p>
+                      <a:r>
+                        <a:rPr lang="en-US" altLang="zh-CN" dirty="0" err="1" smtClean="0"/>
+                        <a:t>ShellThick</a:t>
+                      </a:r>
+                      <a:endParaRPr lang="zh-CN" altLang="en-US" dirty="0"/>
+                    </a:p>
+                  </a:txBody>
+                  <a:tcPr/>
+                </a:tc>
+                <a:tc>
+                  <a:txBody>
+                    <a:bodyPr/>
+                    <a:lstStyle/>
+                    <a:p>
+                      <a:endParaRPr lang="zh-CN" altLang="en-US"/>
+                    </a:p>
+                  </a:txBody>
+                  <a:tcPr/>
+                </a:tc>
+              </a:tr>
+              <a:tr h="370840">
+                <a:tc>
+                  <a:txBody>
+                    <a:bodyPr/>
+                    <a:lstStyle/>
+                    <a:p>
+                      <a:endParaRPr lang="zh-CN" altLang="en-US"/>
+                    </a:p>
+                  </a:txBody>
+                  <a:tcPr/>
+                </a:tc>
+                <a:tc>
+                  <a:txBody>
+                    <a:bodyPr/>
+                    <a:lstStyle/>
+                    <a:p>
+                      <a:endParaRPr lang="zh-CN" altLang="en-US"/>
+                    </a:p>
+                  </a:txBody>
+                  <a:tcPr/>
+                </a:tc>
+              </a:tr>
+              <a:tr h="370840">
+                <a:tc>
+                  <a:txBody>
+                    <a:bodyPr/>
+                    <a:lstStyle/>
+                    <a:p>
+                      <a:endParaRPr lang="zh-CN" altLang="en-US"/>
+                    </a:p>
+                  </a:txBody>
+                  <a:tcPr/>
+                </a:tc>
+                <a:tc>
+                  <a:txBody>
+                    <a:bodyPr/>
+                    <a:lstStyle/>
+                    <a:p>
+                      <a:endParaRPr lang="zh-CN" altLang="en-US"/>
+                    </a:p>
+                  </a:txBody>
+                  <a:tcPr/>
+                </a:tc>
+              </a:tr>
+              <a:tr h="370840">
+                <a:tc>
+                  <a:txBody>
+                    <a:bodyPr/>
+                    <a:lstStyle/>
+                    <a:p>
+                      <a:endParaRPr lang="zh-CN" altLang="en-US" dirty="0"/>
+                    </a:p>
+                  </a:txBody>
+                  <a:tcPr/>
+                </a:tc>
+                <a:tc>
+                  <a:txBody>
+                    <a:bodyPr/>
+                    <a:lstStyle/>
+                    <a:p>
+                      <a:endParaRPr lang="zh-CN" altLang="en-US" dirty="0"/>
+                    </a:p>
+                  </a:txBody>
+                  <a:tcPr/>
+                </a:tc>
+              </a:tr>
+            </a:tbl>
+          </a:graphicData>
+        </a:graphic>
+      </p:graphicFrame>
+    </p:spTree>
+  </p:cSld>
+  <p:clrMapOvr>
+    <a:masterClrMapping/>
+  </p:clrMapOvr>
+</p:sld>
+</file>
+
+<file path=ppt/slides/slide4.xml><?xml version="1.0" encoding="utf-8"?>
+<p:sld xmlns:a="http://schemas.openxmlformats.org/drawingml/2006/main" xmlns:r="http://schemas.openxmlformats.org/officeDocument/2006/relationships" xmlns:p="http://schemas.openxmlformats.org/presentationml/2006/main">
+  <p:cSld>
+    <p:spTree>
+      <p:nvGrpSpPr>
+        <p:cNvPr id="1" name=""/>
+        <p:cNvGrpSpPr/>
+        <p:nvPr/>
+      </p:nvGrpSpPr>
+      <p:grpSpPr>
+        <a:xfrm>
+          <a:off x="0" y="0"/>
+          <a:ext cx="0" cy="0"/>
+          <a:chOff x="0" y="0"/>
+          <a:chExt cx="0" cy="0"/>
+        </a:xfrm>
+      </p:grpSpPr>
+      <p:sp>
+        <p:nvSpPr>
+          <p:cNvPr id="2" name="标题 1"/>
+          <p:cNvSpPr>
+            <a:spLocks noGrp="1"/>
+          </p:cNvSpPr>
+          <p:nvPr>
+            <p:ph type="title"/>
+          </p:nvPr>
+        </p:nvSpPr>
+        <p:spPr/>
+        <p:txBody>
+          <a:bodyPr/>
+          <a:lstStyle/>
+          <a:p>
+            <a:r>
+              <a:rPr lang="en-US" altLang="zh-CN" dirty="0" err="1" smtClean="0"/>
+              <a:t>Sys_re_input</a:t>
+            </a:r>
+            <a:r>
+              <a:rPr lang="zh-CN" altLang="en-US" dirty="0" smtClean="0"/>
+              <a:t>输入</a:t>
+            </a:r>
+            <a:r>
+              <a:rPr lang="zh-CN" altLang="en-US" dirty="0" smtClean="0"/>
+              <a:t>类</a:t>
+            </a:r>
+            <a:endParaRPr lang="zh-CN" altLang="en-US" dirty="0"/>
+          </a:p>
+        </p:txBody>
+      </p:sp>
+      <p:graphicFrame>
+        <p:nvGraphicFramePr>
+          <p:cNvPr id="4" name="表格 3"/>
+          <p:cNvGraphicFramePr>
+            <a:graphicFrameLocks noGrp="1"/>
+          </p:cNvGraphicFramePr>
+          <p:nvPr/>
+        </p:nvGraphicFramePr>
+        <p:xfrm>
+          <a:off x="2143107" y="1285860"/>
+          <a:ext cx="4643471" cy="2966720"/>
+        </p:xfrm>
+        <a:graphic>
+          <a:graphicData uri="http://schemas.openxmlformats.org/drawingml/2006/table">
+            <a:tbl>
+              <a:tblPr firstRow="1" bandRow="1">
+                <a:tableStyleId>{5C22544A-7EE6-4342-B048-85BDC9FD1C3A}</a:tableStyleId>
+              </a:tblPr>
+              <a:tblGrid>
+                <a:gridCol w="812694"/>
+                <a:gridCol w="2302632"/>
+                <a:gridCol w="1528145"/>
+              </a:tblGrid>
+              <a:tr h="370840">
+                <a:tc>
+                  <a:txBody>
+                    <a:bodyPr/>
+                    <a:lstStyle/>
+                    <a:p>
+                      <a:endParaRPr lang="zh-CN" altLang="en-US" dirty="0"/>
+                    </a:p>
+                  </a:txBody>
+                  <a:tcPr/>
+                </a:tc>
+                <a:tc>
+                  <a:txBody>
+                    <a:bodyPr/>
+                    <a:lstStyle/>
+                    <a:p>
+                      <a:r>
+                        <a:rPr lang="zh-CN" altLang="en-US" dirty="0" smtClean="0"/>
+                        <a:t>名称</a:t>
+                      </a:r>
+                      <a:endParaRPr lang="zh-CN" altLang="en-US" dirty="0"/>
+                    </a:p>
+                  </a:txBody>
+                  <a:tcPr/>
+                </a:tc>
+                <a:tc>
+                  <a:txBody>
+                    <a:bodyPr/>
+                    <a:lstStyle/>
+                    <a:p>
+                      <a:r>
+                        <a:rPr lang="zh-CN" altLang="en-US" dirty="0" smtClean="0"/>
+                        <a:t>说明</a:t>
+                      </a:r>
+                      <a:endParaRPr lang="zh-CN" altLang="en-US" dirty="0"/>
+                    </a:p>
+                  </a:txBody>
+                  <a:tcPr/>
+                </a:tc>
+              </a:tr>
+              <a:tr h="370840">
+                <a:tc rowSpan="6">
+                  <a:txBody>
+                    <a:bodyPr/>
+                    <a:lstStyle/>
+                    <a:p>
+                      <a:r>
+                        <a:rPr lang="zh-CN" altLang="en-US" dirty="0" smtClean="0"/>
+                        <a:t>变</a:t>
+                      </a:r>
+                      <a:endParaRPr lang="en-US" altLang="zh-CN" dirty="0" smtClean="0"/>
+                    </a:p>
+                    <a:p>
+                      <a:r>
+                        <a:rPr lang="zh-CN" altLang="en-US" dirty="0" smtClean="0"/>
+                        <a:t>量</a:t>
+                      </a:r>
+                      <a:endParaRPr lang="zh-CN" altLang="en-US" dirty="0"/>
+                    </a:p>
+                  </a:txBody>
+                  <a:tcPr/>
+                </a:tc>
+                <a:tc>
+                  <a:txBody>
+                    <a:bodyPr/>
+                    <a:lstStyle/>
+                    <a:p>
+                      <a:r>
+                        <a:rPr lang="en-US" altLang="zh-CN" dirty="0" err="1" smtClean="0"/>
+                        <a:t>Xf,xg,xs</a:t>
+                      </a:r>
+                      <a:endParaRPr lang="zh-CN" altLang="en-US" dirty="0"/>
+                    </a:p>
+                  </a:txBody>
+                  <a:tcPr/>
+                </a:tc>
+                <a:tc>
+                  <a:txBody>
+                    <a:bodyPr/>
+                    <a:lstStyle/>
+                    <a:p>
+                      <a:endParaRPr lang="zh-CN" altLang="en-US" dirty="0"/>
+                    </a:p>
+                  </a:txBody>
+                  <a:tcPr/>
+                </a:tc>
+              </a:tr>
+              <a:tr h="370840">
+                <a:tc vMerge="1">
+                  <a:txBody>
+                    <a:bodyPr/>
+                    <a:lstStyle/>
+                    <a:p>
+                      <a:endParaRPr lang="zh-CN" altLang="en-US" dirty="0"/>
+                    </a:p>
+                  </a:txBody>
+                  <a:tcPr/>
+                </a:tc>
+                <a:tc>
+                  <a:txBody>
+                    <a:bodyPr/>
+                    <a:lstStyle/>
+                    <a:p>
+                      <a:r>
+                        <a:rPr lang="en-US" altLang="zh-CN" dirty="0" err="1" smtClean="0"/>
+                        <a:t>Xos</a:t>
+                      </a:r>
+                      <a:r>
+                        <a:rPr lang="en-US" altLang="zh-CN" dirty="0" smtClean="0"/>
+                        <a:t>/</a:t>
+                      </a:r>
+                      <a:r>
+                        <a:rPr lang="en-US" altLang="zh-CN" dirty="0" err="1" smtClean="0"/>
+                        <a:t>acf</a:t>
+                      </a:r>
+                      <a:endParaRPr lang="zh-CN" altLang="en-US" dirty="0"/>
+                    </a:p>
+                  </a:txBody>
+                  <a:tcPr/>
+                </a:tc>
+                <a:tc>
+                  <a:txBody>
+                    <a:bodyPr/>
+                    <a:lstStyle/>
+                    <a:p>
+                      <a:endParaRPr lang="zh-CN" altLang="en-US" dirty="0"/>
+                    </a:p>
+                  </a:txBody>
+                  <a:tcPr/>
+                </a:tc>
+              </a:tr>
+              <a:tr h="370840">
+                <a:tc vMerge="1">
+                  <a:txBody>
+                    <a:bodyPr/>
+                    <a:lstStyle/>
+                    <a:p>
+                      <a:endParaRPr lang="zh-CN" altLang="en-US" dirty="0"/>
+                    </a:p>
+                  </a:txBody>
+                  <a:tcPr/>
+                </a:tc>
+                <a:tc>
+                  <a:txBody>
+                    <a:bodyPr/>
+                    <a:lstStyle/>
+                    <a:p>
+                      <a:r>
+                        <a:rPr lang="en-US" altLang="zh-CN" dirty="0" smtClean="0"/>
+                        <a:t>Height </a:t>
+                      </a:r>
+                      <a:endParaRPr lang="zh-CN" altLang="en-US" dirty="0"/>
+                    </a:p>
+                  </a:txBody>
+                  <a:tcPr/>
+                </a:tc>
+                <a:tc>
+                  <a:txBody>
+                    <a:bodyPr/>
+                    <a:lstStyle/>
+                    <a:p>
+                      <a:endParaRPr lang="zh-CN" altLang="en-US" dirty="0"/>
+                    </a:p>
+                  </a:txBody>
+                  <a:tcPr/>
+                </a:tc>
+              </a:tr>
+              <a:tr h="370840">
+                <a:tc vMerge="1">
+                  <a:txBody>
+                    <a:bodyPr/>
+                    <a:lstStyle/>
+                    <a:p>
+                      <a:endParaRPr lang="zh-CN" altLang="en-US" dirty="0"/>
+                    </a:p>
+                  </a:txBody>
+                  <a:tcPr/>
+                </a:tc>
+                <a:tc>
+                  <a:txBody>
+                    <a:bodyPr/>
+                    <a:lstStyle/>
+                    <a:p>
+                      <a:r>
+                        <a:rPr lang="en-US" altLang="zh-CN" dirty="0" err="1" smtClean="0"/>
+                        <a:t>Npin</a:t>
+                      </a:r>
+                      <a:r>
+                        <a:rPr lang="en-US" altLang="zh-CN" dirty="0" smtClean="0"/>
+                        <a:t>/</a:t>
+                      </a:r>
+                      <a:r>
+                        <a:rPr lang="en-US" altLang="zh-CN" dirty="0" err="1" smtClean="0"/>
+                        <a:t>nf</a:t>
+                      </a:r>
+                      <a:r>
+                        <a:rPr lang="en-US" altLang="zh-CN" dirty="0" smtClean="0"/>
+                        <a:t>/</a:t>
+                      </a:r>
+                      <a:r>
+                        <a:rPr lang="en-US" altLang="zh-CN" dirty="0" err="1" smtClean="0"/>
+                        <a:t>ng</a:t>
+                      </a:r>
+                      <a:r>
+                        <a:rPr lang="en-US" altLang="zh-CN" dirty="0" smtClean="0"/>
+                        <a:t>/ns/</a:t>
+                      </a:r>
+                      <a:r>
+                        <a:rPr lang="en-US" altLang="zh-CN" dirty="0" err="1" smtClean="0"/>
+                        <a:t>ny</a:t>
+                      </a:r>
+                      <a:endParaRPr lang="en-US" altLang="zh-CN" dirty="0" smtClean="0"/>
+                    </a:p>
+                  </a:txBody>
+                  <a:tcPr/>
+                </a:tc>
+                <a:tc>
+                  <a:txBody>
+                    <a:bodyPr/>
+                    <a:lstStyle/>
+                    <a:p>
+                      <a:endParaRPr lang="zh-CN" altLang="en-US" dirty="0"/>
+                    </a:p>
+                  </a:txBody>
+                  <a:tcPr/>
+                </a:tc>
+              </a:tr>
+              <a:tr h="370840">
+                <a:tc vMerge="1">
+                  <a:txBody>
+                    <a:bodyPr/>
+                    <a:lstStyle/>
+                    <a:p>
+                      <a:endParaRPr lang="zh-CN" altLang="en-US" dirty="0"/>
+                    </a:p>
+                  </a:txBody>
+                  <a:tcPr/>
+                </a:tc>
+                <a:tc>
+                  <a:txBody>
+                    <a:bodyPr/>
+                    <a:lstStyle/>
+                    <a:p>
+                      <a:r>
+                        <a:rPr lang="en-US" altLang="zh-CN" dirty="0" smtClean="0"/>
+                        <a:t>F/Tin</a:t>
+                      </a:r>
+                      <a:r>
+                        <a:rPr lang="en-US" altLang="zh-CN" baseline="0" dirty="0" smtClean="0"/>
+                        <a:t>/pout/</a:t>
+                      </a:r>
+                      <a:r>
+                        <a:rPr lang="en-US" altLang="zh-CN" baseline="0" dirty="0" err="1" smtClean="0"/>
+                        <a:t>flowin</a:t>
+                      </a:r>
+                      <a:endParaRPr lang="zh-CN" altLang="en-US" dirty="0"/>
+                    </a:p>
+                  </a:txBody>
+                  <a:tcPr/>
+                </a:tc>
+                <a:tc>
+                  <a:txBody>
+                    <a:bodyPr/>
+                    <a:lstStyle/>
+                    <a:p>
+                      <a:endParaRPr lang="zh-CN" altLang="en-US" dirty="0"/>
+                    </a:p>
+                  </a:txBody>
+                  <a:tcPr/>
+                </a:tc>
+              </a:tr>
+              <a:tr h="370840">
+                <a:tc vMerge="1">
+                  <a:txBody>
+                    <a:bodyPr/>
+                    <a:lstStyle/>
+                    <a:p>
+                      <a:endParaRPr lang="zh-CN" altLang="en-US" dirty="0"/>
+                    </a:p>
+                  </a:txBody>
+                  <a:tcPr/>
+                </a:tc>
+                <a:tc>
+                  <a:txBody>
+                    <a:bodyPr/>
+                    <a:lstStyle/>
+                    <a:p>
+                      <a:r>
+                        <a:rPr lang="en-US" altLang="zh-CN" dirty="0" smtClean="0"/>
+                        <a:t>Sigma/</a:t>
+                      </a:r>
+                      <a:r>
+                        <a:rPr lang="en-US" altLang="zh-CN" dirty="0" err="1" smtClean="0"/>
+                        <a:t>sigmab</a:t>
+                      </a:r>
+                      <a:r>
+                        <a:rPr lang="en-US" altLang="zh-CN" dirty="0" smtClean="0"/>
+                        <a:t>/alpha</a:t>
+                      </a:r>
+                      <a:endParaRPr lang="zh-CN" altLang="en-US" dirty="0"/>
+                    </a:p>
+                  </a:txBody>
+                  <a:tcPr/>
+                </a:tc>
+                <a:tc>
+                  <a:txBody>
+                    <a:bodyPr/>
+                    <a:lstStyle/>
+                    <a:p>
+                      <a:endParaRPr lang="zh-CN" altLang="en-US" dirty="0"/>
+                    </a:p>
+                  </a:txBody>
+                  <a:tcPr/>
+                </a:tc>
+              </a:tr>
+              <a:tr h="370840">
+                <a:tc>
+                  <a:txBody>
+                    <a:bodyPr/>
+                    <a:lstStyle/>
+                    <a:p>
+                      <a:r>
+                        <a:rPr lang="zh-CN" altLang="en-US" dirty="0" smtClean="0"/>
+                        <a:t>方法</a:t>
+                      </a:r>
+                      <a:endParaRPr lang="zh-CN" altLang="en-US" dirty="0"/>
+                    </a:p>
+                  </a:txBody>
+                  <a:tcPr/>
+                </a:tc>
+                <a:tc>
+                  <a:txBody>
+                    <a:bodyPr/>
+                    <a:lstStyle/>
+                    <a:p>
+                      <a:r>
+                        <a:rPr lang="en-US" altLang="zh-CN" dirty="0" smtClean="0"/>
+                        <a:t>set</a:t>
+                      </a:r>
+                      <a:endParaRPr lang="zh-CN" altLang="en-US" dirty="0"/>
+                    </a:p>
+                  </a:txBody>
+                  <a:tcPr/>
+                </a:tc>
+                <a:tc>
+                  <a:txBody>
+                    <a:bodyPr/>
+                    <a:lstStyle/>
+                    <a:p>
+                      <a:r>
+                        <a:rPr lang="zh-CN" altLang="en-US" dirty="0" smtClean="0"/>
+                        <a:t>设置参数</a:t>
+                      </a:r>
+                      <a:endParaRPr lang="zh-CN" altLang="en-US" dirty="0"/>
+                    </a:p>
+                  </a:txBody>
+                  <a:tcPr/>
+                </a:tc>
+              </a:tr>
+            </a:tbl>
+          </a:graphicData>
+        </a:graphic>
+      </p:graphicFrame>
+    </p:spTree>
+  </p:cSld>
+  <p:clrMapOvr>
+    <a:masterClrMapping/>
+  </p:clrMapOvr>
+</p:sld>
+</file>
+
+<file path=ppt/slides/slide5.xml><?xml version="1.0" encoding="utf-8"?>
+<p:sld xmlns:a="http://schemas.openxmlformats.org/drawingml/2006/main" xmlns:r="http://schemas.openxmlformats.org/officeDocument/2006/relationships" xmlns:p="http://schemas.openxmlformats.org/presentationml/2006/main">
+  <p:cSld>
+    <p:spTree>
+      <p:nvGrpSpPr>
+        <p:cNvPr id="1" name=""/>
+        <p:cNvGrpSpPr/>
+        <p:nvPr/>
+      </p:nvGrpSpPr>
+      <p:grpSpPr>
+        <a:xfrm>
+          <a:off x="0" y="0"/>
+          <a:ext cx="0" cy="0"/>
+          <a:chOff x="0" y="0"/>
+          <a:chExt cx="0" cy="0"/>
+        </a:xfrm>
+      </p:grpSpPr>
+      <p:graphicFrame>
+        <p:nvGraphicFramePr>
+          <p:cNvPr id="4" name="表格 3"/>
+          <p:cNvGraphicFramePr>
+            <a:graphicFrameLocks noGrp="1"/>
+          </p:cNvGraphicFramePr>
+          <p:nvPr/>
+        </p:nvGraphicFramePr>
+        <p:xfrm>
+          <a:off x="571472" y="642918"/>
+          <a:ext cx="6096000" cy="1854200"/>
+        </p:xfrm>
+        <a:graphic>
+          <a:graphicData uri="http://schemas.openxmlformats.org/drawingml/2006/table">
+            <a:tbl>
+              <a:tblPr firstRow="1" bandRow="1">
+                <a:tableStyleId>{5C22544A-7EE6-4342-B048-85BDC9FD1C3A}</a:tableStyleId>
+              </a:tblPr>
+              <a:tblGrid>
+                <a:gridCol w="3048000"/>
+                <a:gridCol w="3048000"/>
+              </a:tblGrid>
+              <a:tr h="370840">
+                <a:tc gridSpan="2">
+                  <a:txBody>
+                    <a:bodyPr/>
+                    <a:lstStyle/>
+                    <a:p>
+                      <a:pPr algn="ctr"/>
+                      <a:r>
+                        <a:rPr lang="en-US" altLang="zh-CN" dirty="0" smtClean="0"/>
+                        <a:t>Init</a:t>
+                      </a:r>
+                      <a:r>
+                        <a:rPr lang="zh-CN" altLang="en-US" dirty="0" smtClean="0"/>
+                        <a:t>方法</a:t>
+                      </a:r>
+                      <a:endParaRPr lang="zh-CN" altLang="en-US" dirty="0"/>
+                    </a:p>
+                  </a:txBody>
+                  <a:tcPr/>
+                </a:tc>
+                <a:tc hMerge="1">
+                  <a:txBody>
+                    <a:bodyPr/>
+                    <a:lstStyle/>
+                    <a:p>
+                      <a:endParaRPr lang="zh-CN" altLang="en-US" dirty="0"/>
+                    </a:p>
+                  </a:txBody>
+                  <a:tcPr/>
+                </a:tc>
+              </a:tr>
+              <a:tr h="370840">
+                <a:tc>
+                  <a:txBody>
+                    <a:bodyPr/>
+                    <a:lstStyle/>
+                    <a:p>
+                      <a:r>
+                        <a:rPr lang="zh-CN" altLang="en-US" dirty="0" smtClean="0"/>
+                        <a:t>边界条件初始化</a:t>
+                      </a:r>
+                      <a:endParaRPr lang="zh-CN" altLang="en-US" dirty="0"/>
+                    </a:p>
+                  </a:txBody>
+                  <a:tcPr/>
+                </a:tc>
+                <a:tc>
+                  <a:txBody>
+                    <a:bodyPr/>
+                    <a:lstStyle/>
+                    <a:p>
+                      <a:endParaRPr lang="zh-CN" altLang="en-US" dirty="0"/>
+                    </a:p>
+                  </a:txBody>
+                  <a:tcPr/>
+                </a:tc>
+              </a:tr>
+              <a:tr h="370840">
+                <a:tc>
+                  <a:txBody>
+                    <a:bodyPr/>
+                    <a:lstStyle/>
+                    <a:p>
+                      <a:r>
+                        <a:rPr lang="zh-CN" altLang="en-US" dirty="0" smtClean="0"/>
+                        <a:t>热物性初始化</a:t>
+                      </a:r>
+                      <a:endParaRPr lang="zh-CN" altLang="en-US" dirty="0"/>
+                    </a:p>
+                  </a:txBody>
+                  <a:tcPr/>
+                </a:tc>
+                <a:tc>
+                  <a:txBody>
+                    <a:bodyPr/>
+                    <a:lstStyle/>
+                    <a:p>
+                      <a:endParaRPr lang="zh-CN" altLang="en-US"/>
+                    </a:p>
+                  </a:txBody>
+                  <a:tcPr/>
+                </a:tc>
+              </a:tr>
+              <a:tr h="370840">
+                <a:tc>
+                  <a:txBody>
+                    <a:bodyPr/>
+                    <a:lstStyle/>
+                    <a:p>
+                      <a:r>
+                        <a:rPr lang="zh-CN" altLang="en-US" dirty="0" smtClean="0"/>
+                        <a:t>功率密度初始化</a:t>
+                      </a:r>
+                      <a:endParaRPr lang="zh-CN" altLang="en-US" dirty="0"/>
+                    </a:p>
+                  </a:txBody>
+                  <a:tcPr/>
+                </a:tc>
+                <a:tc>
+                  <a:txBody>
+                    <a:bodyPr/>
+                    <a:lstStyle/>
+                    <a:p>
+                      <a:endParaRPr lang="zh-CN" altLang="en-US"/>
+                    </a:p>
+                  </a:txBody>
+                  <a:tcPr/>
+                </a:tc>
+              </a:tr>
+              <a:tr h="370840">
+                <a:tc>
+                  <a:txBody>
+                    <a:bodyPr/>
+                    <a:lstStyle/>
+                    <a:p>
+                      <a:r>
+                        <a:rPr lang="zh-CN" altLang="en-US" dirty="0" smtClean="0"/>
+                        <a:t>热力学参数</a:t>
+                      </a:r>
+                      <a:r>
+                        <a:rPr lang="en-US" altLang="zh-CN" dirty="0" smtClean="0"/>
+                        <a:t>PVT</a:t>
+                      </a:r>
+                      <a:r>
+                        <a:rPr lang="zh-CN" altLang="en-US" dirty="0" smtClean="0"/>
+                        <a:t>初始化</a:t>
+                      </a:r>
+                      <a:endParaRPr lang="zh-CN" altLang="en-US" dirty="0"/>
+                    </a:p>
+                  </a:txBody>
+                  <a:tcPr/>
+                </a:tc>
+                <a:tc>
+                  <a:txBody>
+                    <a:bodyPr/>
+                    <a:lstStyle/>
+                    <a:p>
+                      <a:endParaRPr lang="zh-CN" altLang="en-US" dirty="0"/>
+                    </a:p>
+                  </a:txBody>
+                  <a:tcPr/>
+                </a:tc>
+              </a:tr>
+            </a:tbl>
+          </a:graphicData>
+        </a:graphic>
+      </p:graphicFrame>
+      <p:graphicFrame>
+        <p:nvGraphicFramePr>
+          <p:cNvPr id="5" name="表格 4"/>
+          <p:cNvGraphicFramePr>
+            <a:graphicFrameLocks noGrp="1"/>
+          </p:cNvGraphicFramePr>
+          <p:nvPr/>
+        </p:nvGraphicFramePr>
+        <p:xfrm>
+          <a:off x="714348" y="3643314"/>
+          <a:ext cx="6096000" cy="1112520"/>
+        </p:xfrm>
+        <a:graphic>
+          <a:graphicData uri="http://schemas.openxmlformats.org/drawingml/2006/table">
+            <a:tbl>
+              <a:tblPr firstRow="1" bandRow="1">
+                <a:tableStyleId>{5C22544A-7EE6-4342-B048-85BDC9FD1C3A}</a:tableStyleId>
+              </a:tblPr>
+              <a:tblGrid>
+                <a:gridCol w="3048000"/>
+                <a:gridCol w="3048000"/>
+              </a:tblGrid>
+              <a:tr h="370840">
+                <a:tc gridSpan="2">
+                  <a:txBody>
+                    <a:bodyPr/>
+                    <a:lstStyle/>
+                    <a:p>
+                      <a:pPr algn="ctr"/>
+                      <a:r>
+                        <a:rPr lang="en-US" altLang="zh-CN" dirty="0" smtClean="0"/>
+                        <a:t>set</a:t>
+                      </a:r>
+                      <a:r>
+                        <a:rPr lang="zh-CN" altLang="en-US" dirty="0" smtClean="0"/>
+                        <a:t>方法</a:t>
+                      </a:r>
+                      <a:endParaRPr lang="zh-CN" altLang="en-US" dirty="0"/>
+                    </a:p>
+                  </a:txBody>
+                  <a:tcPr/>
+                </a:tc>
+                <a:tc hMerge="1">
+                  <a:txBody>
+                    <a:bodyPr/>
+                    <a:lstStyle/>
+                    <a:p>
+                      <a:endParaRPr lang="zh-CN" altLang="en-US" dirty="0"/>
+                    </a:p>
+                  </a:txBody>
+                  <a:tcPr/>
+                </a:tc>
+              </a:tr>
+              <a:tr h="370840">
+                <a:tc>
+                  <a:txBody>
+                    <a:bodyPr/>
+                    <a:lstStyle/>
+                    <a:p>
+                      <a:r>
+                        <a:rPr lang="en-US" altLang="zh-CN" dirty="0" err="1" smtClean="0"/>
+                        <a:t>Geom</a:t>
+                      </a:r>
+                      <a:r>
+                        <a:rPr lang="zh-CN" altLang="en-US" dirty="0" smtClean="0"/>
+                        <a:t>设置</a:t>
+                      </a:r>
+                      <a:endParaRPr lang="zh-CN" altLang="en-US" dirty="0"/>
+                    </a:p>
+                  </a:txBody>
+                  <a:tcPr/>
+                </a:tc>
+                <a:tc>
+                  <a:txBody>
+                    <a:bodyPr/>
+                    <a:lstStyle/>
+                    <a:p>
+                      <a:endParaRPr lang="zh-CN" altLang="en-US" dirty="0"/>
+                    </a:p>
+                  </a:txBody>
+                  <a:tcPr/>
+                </a:tc>
+              </a:tr>
+              <a:tr h="370840">
+                <a:tc>
+                  <a:txBody>
+                    <a:bodyPr/>
+                    <a:lstStyle/>
+                    <a:p>
+                      <a:r>
+                        <a:rPr lang="en-US" altLang="zh-CN" dirty="0" smtClean="0"/>
+                        <a:t>Mesh</a:t>
+                      </a:r>
+                      <a:r>
+                        <a:rPr lang="zh-CN" altLang="en-US" dirty="0" smtClean="0"/>
+                        <a:t>设置</a:t>
                       </a:r>
                       <a:endParaRPr lang="zh-CN" altLang="en-US" dirty="0"/>
                     </a:p>

--- a/assembly/debugassembly/程序框架.pptx
+++ b/assembly/debugassembly/程序框架.pptx
@@ -9,7 +9,8 @@
     <p:sldId id="257" r:id="rId3"/>
     <p:sldId id="260" r:id="rId4"/>
     <p:sldId id="259" r:id="rId5"/>
-    <p:sldId id="261" r:id="rId6"/>
+    <p:sldId id="262" r:id="rId6"/>
+    <p:sldId id="261" r:id="rId7"/>
   </p:sldIdLst>
   <p:sldSz cx="9144000" cy="6858000" type="screen4x3"/>
   <p:notesSz cx="6858000" cy="9144000"/>
@@ -293,7 +294,7 @@
             <a:fld id="{530820CF-B880-4189-942D-D702A7CBA730}" type="datetimeFigureOut">
               <a:rPr lang="zh-CN" altLang="en-US" smtClean="0"/>
               <a:pPr/>
-              <a:t>2017/11/13</a:t>
+              <a:t>2017/11/15</a:t>
             </a:fld>
             <a:endParaRPr lang="zh-CN" altLang="en-US"/>
           </a:p>
@@ -460,7 +461,7 @@
             <a:fld id="{530820CF-B880-4189-942D-D702A7CBA730}" type="datetimeFigureOut">
               <a:rPr lang="zh-CN" altLang="en-US" smtClean="0"/>
               <a:pPr/>
-              <a:t>2017/11/13</a:t>
+              <a:t>2017/11/15</a:t>
             </a:fld>
             <a:endParaRPr lang="zh-CN" altLang="en-US"/>
           </a:p>
@@ -637,7 +638,7 @@
             <a:fld id="{530820CF-B880-4189-942D-D702A7CBA730}" type="datetimeFigureOut">
               <a:rPr lang="zh-CN" altLang="en-US" smtClean="0"/>
               <a:pPr/>
-              <a:t>2017/11/13</a:t>
+              <a:t>2017/11/15</a:t>
             </a:fld>
             <a:endParaRPr lang="zh-CN" altLang="en-US"/>
           </a:p>
@@ -804,7 +805,7 @@
             <a:fld id="{530820CF-B880-4189-942D-D702A7CBA730}" type="datetimeFigureOut">
               <a:rPr lang="zh-CN" altLang="en-US" smtClean="0"/>
               <a:pPr/>
-              <a:t>2017/11/13</a:t>
+              <a:t>2017/11/15</a:t>
             </a:fld>
             <a:endParaRPr lang="zh-CN" altLang="en-US"/>
           </a:p>
@@ -1047,7 +1048,7 @@
             <a:fld id="{530820CF-B880-4189-942D-D702A7CBA730}" type="datetimeFigureOut">
               <a:rPr lang="zh-CN" altLang="en-US" smtClean="0"/>
               <a:pPr/>
-              <a:t>2017/11/13</a:t>
+              <a:t>2017/11/15</a:t>
             </a:fld>
             <a:endParaRPr lang="zh-CN" altLang="en-US"/>
           </a:p>
@@ -1332,7 +1333,7 @@
             <a:fld id="{530820CF-B880-4189-942D-D702A7CBA730}" type="datetimeFigureOut">
               <a:rPr lang="zh-CN" altLang="en-US" smtClean="0"/>
               <a:pPr/>
-              <a:t>2017/11/13</a:t>
+              <a:t>2017/11/15</a:t>
             </a:fld>
             <a:endParaRPr lang="zh-CN" altLang="en-US"/>
           </a:p>
@@ -1751,7 +1752,7 @@
             <a:fld id="{530820CF-B880-4189-942D-D702A7CBA730}" type="datetimeFigureOut">
               <a:rPr lang="zh-CN" altLang="en-US" smtClean="0"/>
               <a:pPr/>
-              <a:t>2017/11/13</a:t>
+              <a:t>2017/11/15</a:t>
             </a:fld>
             <a:endParaRPr lang="zh-CN" altLang="en-US"/>
           </a:p>
@@ -1866,7 +1867,7 @@
             <a:fld id="{530820CF-B880-4189-942D-D702A7CBA730}" type="datetimeFigureOut">
               <a:rPr lang="zh-CN" altLang="en-US" smtClean="0"/>
               <a:pPr/>
-              <a:t>2017/11/13</a:t>
+              <a:t>2017/11/15</a:t>
             </a:fld>
             <a:endParaRPr lang="zh-CN" altLang="en-US"/>
           </a:p>
@@ -1958,7 +1959,7 @@
             <a:fld id="{530820CF-B880-4189-942D-D702A7CBA730}" type="datetimeFigureOut">
               <a:rPr lang="zh-CN" altLang="en-US" smtClean="0"/>
               <a:pPr/>
-              <a:t>2017/11/13</a:t>
+              <a:t>2017/11/15</a:t>
             </a:fld>
             <a:endParaRPr lang="zh-CN" altLang="en-US"/>
           </a:p>
@@ -2232,7 +2233,7 @@
             <a:fld id="{530820CF-B880-4189-942D-D702A7CBA730}" type="datetimeFigureOut">
               <a:rPr lang="zh-CN" altLang="en-US" smtClean="0"/>
               <a:pPr/>
-              <a:t>2017/11/13</a:t>
+              <a:t>2017/11/15</a:t>
             </a:fld>
             <a:endParaRPr lang="zh-CN" altLang="en-US"/>
           </a:p>
@@ -2482,7 +2483,7 @@
             <a:fld id="{530820CF-B880-4189-942D-D702A7CBA730}" type="datetimeFigureOut">
               <a:rPr lang="zh-CN" altLang="en-US" smtClean="0"/>
               <a:pPr/>
-              <a:t>2017/11/13</a:t>
+              <a:t>2017/11/15</a:t>
             </a:fld>
             <a:endParaRPr lang="zh-CN" altLang="en-US"/>
           </a:p>
@@ -2692,7 +2693,7 @@
             <a:fld id="{530820CF-B880-4189-942D-D702A7CBA730}" type="datetimeFigureOut">
               <a:rPr lang="zh-CN" altLang="en-US" smtClean="0"/>
               <a:pPr/>
-              <a:t>2017/11/13</a:t>
+              <a:t>2017/11/15</a:t>
             </a:fld>
             <a:endParaRPr lang="zh-CN" altLang="en-US"/>
           </a:p>
@@ -4544,11 +4545,7 @@
             </a:r>
             <a:r>
               <a:rPr lang="zh-CN" altLang="en-US" dirty="0" smtClean="0"/>
-              <a:t>输入</a:t>
-            </a:r>
-            <a:r>
-              <a:rPr lang="zh-CN" altLang="en-US" dirty="0" smtClean="0"/>
-              <a:t>类</a:t>
+              <a:t>输入类</a:t>
             </a:r>
             <a:endParaRPr lang="zh-CN" altLang="en-US" dirty="0"/>
           </a:p>
@@ -4949,6 +4946,511 @@
 </file>
 
 <file path=ppt/slides/slide5.xml><?xml version="1.0" encoding="utf-8"?>
+<p:sld xmlns:a="http://schemas.openxmlformats.org/drawingml/2006/main" xmlns:r="http://schemas.openxmlformats.org/officeDocument/2006/relationships" xmlns:p="http://schemas.openxmlformats.org/presentationml/2006/main">
+  <p:cSld>
+    <p:spTree>
+      <p:nvGrpSpPr>
+        <p:cNvPr id="1" name=""/>
+        <p:cNvGrpSpPr/>
+        <p:nvPr/>
+      </p:nvGrpSpPr>
+      <p:grpSpPr>
+        <a:xfrm>
+          <a:off x="0" y="0"/>
+          <a:ext cx="0" cy="0"/>
+          <a:chOff x="0" y="0"/>
+          <a:chExt cx="0" cy="0"/>
+        </a:xfrm>
+      </p:grpSpPr>
+      <p:graphicFrame>
+        <p:nvGraphicFramePr>
+          <p:cNvPr id="4" name="表格 3"/>
+          <p:cNvGraphicFramePr>
+            <a:graphicFrameLocks noGrp="1"/>
+          </p:cNvGraphicFramePr>
+          <p:nvPr/>
+        </p:nvGraphicFramePr>
+        <p:xfrm>
+          <a:off x="2143106" y="1285860"/>
+          <a:ext cx="4929223" cy="1483360"/>
+        </p:xfrm>
+        <a:graphic>
+          <a:graphicData uri="http://schemas.openxmlformats.org/drawingml/2006/table">
+            <a:tbl>
+              <a:tblPr firstRow="1" bandRow="1">
+                <a:tableStyleId>{5C22544A-7EE6-4342-B048-85BDC9FD1C3A}</a:tableStyleId>
+              </a:tblPr>
+              <a:tblGrid>
+                <a:gridCol w="1289182"/>
+                <a:gridCol w="1113815"/>
+                <a:gridCol w="2526226"/>
+              </a:tblGrid>
+              <a:tr h="370840">
+                <a:tc>
+                  <a:txBody>
+                    <a:bodyPr/>
+                    <a:lstStyle/>
+                    <a:p>
+                      <a:r>
+                        <a:rPr lang="en-US" altLang="zh-CN" dirty="0" err="1" smtClean="0"/>
+                        <a:t>confactor</a:t>
+                      </a:r>
+                      <a:endParaRPr lang="zh-CN" altLang="en-US" dirty="0"/>
+                    </a:p>
+                  </a:txBody>
+                  <a:tcPr/>
+                </a:tc>
+                <a:tc>
+                  <a:txBody>
+                    <a:bodyPr/>
+                    <a:lstStyle/>
+                    <a:p>
+                      <a:r>
+                        <a:rPr lang="zh-CN" altLang="en-US" dirty="0" smtClean="0"/>
+                        <a:t>名称</a:t>
+                      </a:r>
+                      <a:endParaRPr lang="zh-CN" altLang="en-US" dirty="0"/>
+                    </a:p>
+                  </a:txBody>
+                  <a:tcPr/>
+                </a:tc>
+                <a:tc>
+                  <a:txBody>
+                    <a:bodyPr/>
+                    <a:lstStyle/>
+                    <a:p>
+                      <a:r>
+                        <a:rPr lang="zh-CN" altLang="en-US" dirty="0" smtClean="0"/>
+                        <a:t>说明</a:t>
+                      </a:r>
+                      <a:endParaRPr lang="zh-CN" altLang="en-US" dirty="0"/>
+                    </a:p>
+                  </a:txBody>
+                  <a:tcPr/>
+                </a:tc>
+              </a:tr>
+              <a:tr h="370840">
+                <a:tc rowSpan="2">
+                  <a:txBody>
+                    <a:bodyPr/>
+                    <a:lstStyle/>
+                    <a:p>
+                      <a:r>
+                        <a:rPr lang="zh-CN" altLang="en-US" dirty="0" smtClean="0"/>
+                        <a:t>变</a:t>
+                      </a:r>
+                      <a:endParaRPr lang="en-US" altLang="zh-CN" dirty="0" smtClean="0"/>
+                    </a:p>
+                    <a:p>
+                      <a:r>
+                        <a:rPr lang="zh-CN" altLang="en-US" dirty="0" smtClean="0"/>
+                        <a:t>量</a:t>
+                      </a:r>
+                      <a:endParaRPr lang="zh-CN" altLang="en-US" dirty="0"/>
+                    </a:p>
+                  </a:txBody>
+                  <a:tcPr/>
+                </a:tc>
+                <a:tc>
+                  <a:txBody>
+                    <a:bodyPr/>
+                    <a:lstStyle/>
+                    <a:p>
+                      <a:r>
+                        <a:rPr lang="en-US" altLang="zh-CN" dirty="0" smtClean="0"/>
+                        <a:t>alpha</a:t>
+                      </a:r>
+                      <a:endParaRPr lang="zh-CN" altLang="en-US" dirty="0"/>
+                    </a:p>
+                  </a:txBody>
+                  <a:tcPr/>
+                </a:tc>
+                <a:tc>
+                  <a:txBody>
+                    <a:bodyPr/>
+                    <a:lstStyle/>
+                    <a:p>
+                      <a:r>
+                        <a:rPr lang="en-US" altLang="zh-CN" dirty="0" smtClean="0"/>
+                        <a:t>p-v</a:t>
+                      </a:r>
+                      <a:r>
+                        <a:rPr lang="zh-CN" altLang="en-US" dirty="0" smtClean="0"/>
+                        <a:t>迭代收敛因子</a:t>
+                      </a:r>
+                      <a:endParaRPr lang="zh-CN" altLang="en-US" dirty="0"/>
+                    </a:p>
+                  </a:txBody>
+                  <a:tcPr/>
+                </a:tc>
+              </a:tr>
+              <a:tr h="370840">
+                <a:tc vMerge="1">
+                  <a:txBody>
+                    <a:bodyPr/>
+                    <a:lstStyle/>
+                    <a:p>
+                      <a:endParaRPr lang="zh-CN" altLang="en-US" dirty="0"/>
+                    </a:p>
+                  </a:txBody>
+                  <a:tcPr/>
+                </a:tc>
+                <a:tc>
+                  <a:txBody>
+                    <a:bodyPr/>
+                    <a:lstStyle/>
+                    <a:p>
+                      <a:r>
+                        <a:rPr lang="en-US" altLang="zh-CN" dirty="0" smtClean="0"/>
+                        <a:t>sigma</a:t>
+                      </a:r>
+                      <a:endParaRPr lang="zh-CN" altLang="en-US" dirty="0"/>
+                    </a:p>
+                  </a:txBody>
+                  <a:tcPr/>
+                </a:tc>
+                <a:tc>
+                  <a:txBody>
+                    <a:bodyPr/>
+                    <a:lstStyle/>
+                    <a:p>
+                      <a:r>
+                        <a:rPr lang="zh-CN" altLang="en-US" dirty="0" smtClean="0"/>
+                        <a:t>密度迭代收敛因子</a:t>
+                      </a:r>
+                      <a:endParaRPr lang="zh-CN" altLang="en-US" dirty="0"/>
+                    </a:p>
+                  </a:txBody>
+                  <a:tcPr/>
+                </a:tc>
+              </a:tr>
+              <a:tr h="370840">
+                <a:tc>
+                  <a:txBody>
+                    <a:bodyPr/>
+                    <a:lstStyle/>
+                    <a:p>
+                      <a:r>
+                        <a:rPr lang="zh-CN" altLang="en-US" dirty="0" smtClean="0"/>
+                        <a:t>方法</a:t>
+                      </a:r>
+                      <a:endParaRPr lang="zh-CN" altLang="en-US" dirty="0"/>
+                    </a:p>
+                  </a:txBody>
+                  <a:tcPr/>
+                </a:tc>
+                <a:tc>
+                  <a:txBody>
+                    <a:bodyPr/>
+                    <a:lstStyle/>
+                    <a:p>
+                      <a:r>
+                        <a:rPr lang="en-US" altLang="zh-CN" dirty="0" smtClean="0"/>
+                        <a:t>set</a:t>
+                      </a:r>
+                      <a:endParaRPr lang="zh-CN" altLang="en-US" dirty="0"/>
+                    </a:p>
+                  </a:txBody>
+                  <a:tcPr/>
+                </a:tc>
+                <a:tc>
+                  <a:txBody>
+                    <a:bodyPr/>
+                    <a:lstStyle/>
+                    <a:p>
+                      <a:r>
+                        <a:rPr lang="zh-CN" altLang="en-US" dirty="0" smtClean="0"/>
+                        <a:t>设置参数</a:t>
+                      </a:r>
+                      <a:endParaRPr lang="zh-CN" altLang="en-US" dirty="0"/>
+                    </a:p>
+                  </a:txBody>
+                  <a:tcPr/>
+                </a:tc>
+              </a:tr>
+            </a:tbl>
+          </a:graphicData>
+        </a:graphic>
+      </p:graphicFrame>
+      <p:sp>
+        <p:nvSpPr>
+          <p:cNvPr id="5" name="TextBox 4"/>
+          <p:cNvSpPr txBox="1"/>
+          <p:nvPr/>
+        </p:nvSpPr>
+        <p:spPr>
+          <a:xfrm>
+            <a:off x="2214546" y="857232"/>
+            <a:ext cx="1143008" cy="369332"/>
+          </a:xfrm>
+          <a:prstGeom prst="rect">
+            <a:avLst/>
+          </a:prstGeom>
+          <a:noFill/>
+        </p:spPr>
+        <p:txBody>
+          <a:bodyPr wrap="square" rtlCol="0">
+            <a:spAutoFit/>
+          </a:bodyPr>
+          <a:lstStyle/>
+          <a:p>
+            <a:r>
+              <a:rPr lang="zh-CN" altLang="en-US" dirty="0" smtClean="0"/>
+              <a:t>收敛因子</a:t>
+            </a:r>
+            <a:endParaRPr lang="zh-CN" altLang="en-US" dirty="0"/>
+          </a:p>
+        </p:txBody>
+      </p:sp>
+      <p:graphicFrame>
+        <p:nvGraphicFramePr>
+          <p:cNvPr id="6" name="表格 5"/>
+          <p:cNvGraphicFramePr>
+            <a:graphicFrameLocks noGrp="1"/>
+          </p:cNvGraphicFramePr>
+          <p:nvPr/>
+        </p:nvGraphicFramePr>
+        <p:xfrm>
+          <a:off x="2071670" y="4071942"/>
+          <a:ext cx="4929223" cy="1483360"/>
+        </p:xfrm>
+        <a:graphic>
+          <a:graphicData uri="http://schemas.openxmlformats.org/drawingml/2006/table">
+            <a:tbl>
+              <a:tblPr firstRow="1" bandRow="1">
+                <a:tableStyleId>{5C22544A-7EE6-4342-B048-85BDC9FD1C3A}</a:tableStyleId>
+              </a:tblPr>
+              <a:tblGrid>
+                <a:gridCol w="1289182"/>
+                <a:gridCol w="1113815"/>
+                <a:gridCol w="2526226"/>
+              </a:tblGrid>
+              <a:tr h="370840">
+                <a:tc>
+                  <a:txBody>
+                    <a:bodyPr/>
+                    <a:lstStyle/>
+                    <a:p>
+                      <a:r>
+                        <a:rPr lang="en-US" altLang="zh-CN" dirty="0" smtClean="0"/>
+                        <a:t>time</a:t>
+                      </a:r>
+                      <a:endParaRPr lang="zh-CN" altLang="en-US" dirty="0"/>
+                    </a:p>
+                  </a:txBody>
+                  <a:tcPr/>
+                </a:tc>
+                <a:tc>
+                  <a:txBody>
+                    <a:bodyPr/>
+                    <a:lstStyle/>
+                    <a:p>
+                      <a:r>
+                        <a:rPr lang="zh-CN" altLang="en-US" dirty="0" smtClean="0"/>
+                        <a:t>名称</a:t>
+                      </a:r>
+                      <a:endParaRPr lang="zh-CN" altLang="en-US" dirty="0"/>
+                    </a:p>
+                  </a:txBody>
+                  <a:tcPr/>
+                </a:tc>
+                <a:tc>
+                  <a:txBody>
+                    <a:bodyPr/>
+                    <a:lstStyle/>
+                    <a:p>
+                      <a:r>
+                        <a:rPr lang="zh-CN" altLang="en-US" dirty="0" smtClean="0"/>
+                        <a:t>说明</a:t>
+                      </a:r>
+                      <a:endParaRPr lang="zh-CN" altLang="en-US" dirty="0"/>
+                    </a:p>
+                  </a:txBody>
+                  <a:tcPr/>
+                </a:tc>
+              </a:tr>
+              <a:tr h="370840">
+                <a:tc rowSpan="2">
+                  <a:txBody>
+                    <a:bodyPr/>
+                    <a:lstStyle/>
+                    <a:p>
+                      <a:r>
+                        <a:rPr lang="zh-CN" altLang="en-US" dirty="0" smtClean="0"/>
+                        <a:t>变</a:t>
+                      </a:r>
+                      <a:endParaRPr lang="en-US" altLang="zh-CN" dirty="0" smtClean="0"/>
+                    </a:p>
+                    <a:p>
+                      <a:r>
+                        <a:rPr lang="zh-CN" altLang="en-US" dirty="0" smtClean="0"/>
+                        <a:t>量</a:t>
+                      </a:r>
+                      <a:endParaRPr lang="zh-CN" altLang="en-US" dirty="0"/>
+                    </a:p>
+                  </a:txBody>
+                  <a:tcPr/>
+                </a:tc>
+                <a:tc>
+                  <a:txBody>
+                    <a:bodyPr/>
+                    <a:lstStyle/>
+                    <a:p>
+                      <a:r>
+                        <a:rPr lang="en-US" altLang="zh-CN" dirty="0" smtClean="0"/>
+                        <a:t>Boundary</a:t>
+                      </a:r>
+                      <a:endParaRPr lang="zh-CN" altLang="en-US" dirty="0"/>
+                    </a:p>
+                  </a:txBody>
+                  <a:tcPr/>
+                </a:tc>
+                <a:tc>
+                  <a:txBody>
+                    <a:bodyPr/>
+                    <a:lstStyle/>
+                    <a:p>
+                      <a:r>
+                        <a:rPr lang="en-US" altLang="zh-CN" dirty="0" smtClean="0"/>
+                        <a:t>p-v</a:t>
+                      </a:r>
+                      <a:r>
+                        <a:rPr lang="zh-CN" altLang="en-US" dirty="0" smtClean="0"/>
+                        <a:t>迭代收敛因子</a:t>
+                      </a:r>
+                      <a:endParaRPr lang="zh-CN" altLang="en-US" dirty="0"/>
+                    </a:p>
+                  </a:txBody>
+                  <a:tcPr/>
+                </a:tc>
+              </a:tr>
+              <a:tr h="370840">
+                <a:tc vMerge="1">
+                  <a:txBody>
+                    <a:bodyPr/>
+                    <a:lstStyle/>
+                    <a:p>
+                      <a:endParaRPr lang="zh-CN" altLang="en-US" dirty="0"/>
+                    </a:p>
+                  </a:txBody>
+                  <a:tcPr/>
+                </a:tc>
+                <a:tc>
+                  <a:txBody>
+                    <a:bodyPr/>
+                    <a:lstStyle/>
+                    <a:p>
+                      <a:r>
+                        <a:rPr lang="en-US" altLang="zh-CN" smtClean="0"/>
+                        <a:t>thermal</a:t>
+                      </a:r>
+                      <a:endParaRPr lang="zh-CN" altLang="en-US" dirty="0"/>
+                    </a:p>
+                  </a:txBody>
+                  <a:tcPr/>
+                </a:tc>
+                <a:tc>
+                  <a:txBody>
+                    <a:bodyPr/>
+                    <a:lstStyle/>
+                    <a:p>
+                      <a:r>
+                        <a:rPr lang="zh-CN" altLang="en-US" dirty="0" smtClean="0"/>
+                        <a:t>密度迭代收敛因子</a:t>
+                      </a:r>
+                      <a:endParaRPr lang="zh-CN" altLang="en-US" dirty="0"/>
+                    </a:p>
+                  </a:txBody>
+                  <a:tcPr/>
+                </a:tc>
+              </a:tr>
+              <a:tr h="370840">
+                <a:tc>
+                  <a:txBody>
+                    <a:bodyPr/>
+                    <a:lstStyle/>
+                    <a:p>
+                      <a:r>
+                        <a:rPr lang="zh-CN" altLang="en-US" dirty="0" smtClean="0"/>
+                        <a:t>方法</a:t>
+                      </a:r>
+                      <a:endParaRPr lang="zh-CN" altLang="en-US" dirty="0"/>
+                    </a:p>
+                  </a:txBody>
+                  <a:tcPr/>
+                </a:tc>
+                <a:tc>
+                  <a:txBody>
+                    <a:bodyPr/>
+                    <a:lstStyle/>
+                    <a:p>
+                      <a:r>
+                        <a:rPr lang="en-US" altLang="zh-CN" dirty="0" smtClean="0"/>
+                        <a:t>set</a:t>
+                      </a:r>
+                      <a:endParaRPr lang="zh-CN" altLang="en-US" dirty="0"/>
+                    </a:p>
+                  </a:txBody>
+                  <a:tcPr/>
+                </a:tc>
+                <a:tc>
+                  <a:txBody>
+                    <a:bodyPr/>
+                    <a:lstStyle/>
+                    <a:p>
+                      <a:r>
+                        <a:rPr lang="zh-CN" altLang="en-US" dirty="0" smtClean="0"/>
+                        <a:t>设置参数</a:t>
+                      </a:r>
+                      <a:endParaRPr lang="zh-CN" altLang="en-US" dirty="0"/>
+                    </a:p>
+                  </a:txBody>
+                  <a:tcPr/>
+                </a:tc>
+              </a:tr>
+            </a:tbl>
+          </a:graphicData>
+        </a:graphic>
+      </p:graphicFrame>
+      <p:sp>
+        <p:nvSpPr>
+          <p:cNvPr id="7" name="TextBox 6"/>
+          <p:cNvSpPr txBox="1"/>
+          <p:nvPr/>
+        </p:nvSpPr>
+        <p:spPr>
+          <a:xfrm>
+            <a:off x="2071670" y="3643314"/>
+            <a:ext cx="2071702" cy="369332"/>
+          </a:xfrm>
+          <a:prstGeom prst="rect">
+            <a:avLst/>
+          </a:prstGeom>
+          <a:noFill/>
+        </p:spPr>
+        <p:txBody>
+          <a:bodyPr wrap="square" rtlCol="0">
+            <a:spAutoFit/>
+          </a:bodyPr>
+          <a:lstStyle/>
+          <a:p>
+            <a:r>
+              <a:rPr lang="zh-CN" altLang="en-US" dirty="0" smtClean="0"/>
+              <a:t>随时间变化的数值</a:t>
+            </a:r>
+            <a:endParaRPr lang="zh-CN" altLang="en-US" dirty="0"/>
+          </a:p>
+        </p:txBody>
+      </p:sp>
+    </p:spTree>
+  </p:cSld>
+  <p:clrMapOvr>
+    <a:masterClrMapping/>
+  </p:clrMapOvr>
+</p:sld>
+</file>
+
+<file path=ppt/slides/slide6.xml><?xml version="1.0" encoding="utf-8"?>
 <p:sld xmlns:a="http://schemas.openxmlformats.org/drawingml/2006/main" xmlns:r="http://schemas.openxmlformats.org/officeDocument/2006/relationships" xmlns:p="http://schemas.openxmlformats.org/presentationml/2006/main">
   <p:cSld>
     <p:spTree>
